--- a/大作业.pptx
+++ b/大作业.pptx
@@ -247,7 +247,7 @@
           <inkml:channelProperty channel="Y" name="resolution" value="28.3464566929134" units="1/cm"/>
         </inkml:channelProperties>
       </inkml:inkSource>
-      <inkml:timestamp xml:id="ts0" timeString="2021-06-20T18:39:24"/>
+      <inkml:timestamp xml:id="ts0" timeString="2021-06-21T13:17:40"/>
     </inkml:context>
     <inkml:brush xml:id="br0">
       <inkml:brushProperty name="width" value="0.09701" units="cm"/>
@@ -28056,7 +28056,7 @@
                 <a:cs typeface="微软雅黑" panose="020B0503020204020204" charset="-122"/>
                 <a:sym typeface="Arial" panose="020B0604020202020204" pitchFamily="34" charset="0"/>
               </a:rPr>
-              <a:t>"""select e.eno"收款人编号",e.eaccount"收款人账号",e.ename"收款人名称",b.branch"收方开户支行",c.l_name"收款人所在省",l.l_name"收款人所在市",e.email"收方邮件地址",e.phone"收方移动电话",p.Currency"币种",p.branch"付款分行",p.settlement_method"结算方式",p.business_types"业务种类",p.account"付方账号",to_char(sysdate,'yyyymmdd')"期望日",to_char(sysdate,'hh24miss')"期望时间",p.purposes"用途",sum(s.amount)"金额",b.cnaps_code"收方联行号",b.bname"收方开户银行" </a:t>
+              <a:t>select e.eno"收款人编号",e.eaccount"收款人账号",e.ename"收款人名称",b.branch"收方开户支行",c.l_name"收款人所在省",l.l_name"收款人所在市",e.email"收方邮件地址",e.phone"收方移动电话",p.Currency"币种",p.branch"付款分行",p.settlement_method"结算方式",p.business_types"业务种类",p.account"付方账号",to_char(sysdate,'yyyymmdd')"期望日",to_char(sysdate,'hh24miss')"期望时间",p.purposes"用途",sum(s.amount)"金额",b.cnaps_code"收方联行号",b.bname"收方开户银行" </a:t>
             </a:r>
             <a:endParaRPr lang="zh-CN" altLang="en-US" sz="1500" spc="100" dirty="0">
               <a:ln w="3175">
@@ -28150,7 +28150,47 @@
                 <a:cs typeface="微软雅黑" panose="020B0503020204020204" charset="-122"/>
                 <a:sym typeface="Arial" panose="020B0604020202020204" pitchFamily="34" charset="0"/>
               </a:rPr>
-              <a:t>where b.CNAPS_CODE=e.CNAPS_CODE and l.ID=e.ID and s.eno=e.eno and c.SERIAL_NO=l.PARENT_ID and s.YEAR_MONTH between :month1 and :month2 group</a:t>
+              <a:t>where b.CNAPS_CODE=e.CNAPS_CODE and l.ID=e.ID and s.eno=e.eno and c.SERIAL_NO=l.PARENT_ID and</a:t>
+            </a:r>
+            <a:r>
+              <a:rPr altLang="zh-CN" sz="1500" spc="100" dirty="0">
+                <a:ln w="3175">
+                  <a:noFill/>
+                  <a:prstDash val="dash"/>
+                </a:ln>
+                <a:solidFill>
+                  <a:schemeClr val="dk1">
+                    <a:lumMod val="75000"/>
+                    <a:lumOff val="25000"/>
+                  </a:schemeClr>
+                </a:solidFill>
+                <a:uFillTx/>
+                <a:latin typeface="Arial" panose="020B0604020202020204" pitchFamily="34" charset="0"/>
+                <a:ea typeface="微软雅黑" panose="020B0503020204020204" charset="-122"/>
+                <a:cs typeface="微软雅黑" panose="020B0503020204020204" charset="-122"/>
+                <a:sym typeface="Arial" panose="020B0604020202020204" pitchFamily="34" charset="0"/>
+              </a:rPr>
+              <a:t>  p.account=:account and </a:t>
+            </a:r>
+            <a:r>
+              <a:rPr lang="zh-CN" altLang="en-US" sz="1500" spc="100" dirty="0">
+                <a:ln w="3175">
+                  <a:noFill/>
+                  <a:prstDash val="dash"/>
+                </a:ln>
+                <a:solidFill>
+                  <a:schemeClr val="dk1">
+                    <a:lumMod val="75000"/>
+                    <a:lumOff val="25000"/>
+                  </a:schemeClr>
+                </a:solidFill>
+                <a:uFillTx/>
+                <a:latin typeface="Arial" panose="020B0604020202020204" pitchFamily="34" charset="0"/>
+                <a:ea typeface="微软雅黑" panose="020B0503020204020204" charset="-122"/>
+                <a:cs typeface="微软雅黑" panose="020B0503020204020204" charset="-122"/>
+                <a:sym typeface="Arial" panose="020B0604020202020204" pitchFamily="34" charset="0"/>
+              </a:rPr>
+              <a:t>s.YEAR_MONTH between :month1 and :month2 group</a:t>
             </a:r>
             <a:r>
               <a:rPr altLang="zh-CN" sz="1500" spc="100" dirty="0">
@@ -28277,7 +28317,7 @@
                 <a:cs typeface="微软雅黑" panose="020B0503020204020204" charset="-122"/>
                 <a:sym typeface="Arial" panose="020B0604020202020204" pitchFamily="34" charset="0"/>
               </a:rPr>
-              <a:t> order by e.eno"""</a:t>
+              <a:t>order by e.eno</a:t>
             </a:r>
             <a:endParaRPr lang="zh-CN" altLang="en-US" sz="1500" spc="100" dirty="0">
               <a:ln w="3175">
@@ -33311,6 +33351,47 @@
                 <a:ea typeface="微软雅黑" panose="020B0503020204020204" charset="-122"/>
                 <a:sym typeface="微软雅黑" panose="020B0503020204020204" charset="-122"/>
               </a:rPr>
+              <a:t>付款信息的</a:t>
+            </a:r>
+            <a:r>
+              <a:rPr lang="zh-CN" altLang="en-US" sz="1800" b="1">
+                <a:solidFill>
+                  <a:schemeClr val="dk1"/>
+                </a:solidFill>
+                <a:latin typeface="微软雅黑" panose="020B0503020204020204" charset="-122"/>
+                <a:ea typeface="微软雅黑" panose="020B0503020204020204" charset="-122"/>
+                <a:sym typeface="微软雅黑" panose="020B0503020204020204" charset="-122"/>
+              </a:rPr>
+              <a:t>管理</a:t>
+            </a:r>
+            <a:endParaRPr lang="zh-CN" altLang="en-US" sz="1800" b="1">
+              <a:solidFill>
+                <a:schemeClr val="dk1"/>
+              </a:solidFill>
+              <a:latin typeface="微软雅黑" panose="020B0503020204020204" charset="-122"/>
+              <a:ea typeface="微软雅黑" panose="020B0503020204020204" charset="-122"/>
+              <a:sym typeface="微软雅黑" panose="020B0503020204020204" charset="-122"/>
+            </a:endParaRPr>
+          </a:p>
+          <a:p>
+            <a:pPr>
+              <a:lnSpc>
+                <a:spcPct val="130000"/>
+              </a:lnSpc>
+              <a:spcAft>
+                <a:spcPts val="1000"/>
+              </a:spcAft>
+              <a:buFont typeface="Arial" panose="020B0604020202020204" pitchFamily="34" charset="0"/>
+            </a:pPr>
+            <a:r>
+              <a:rPr lang="zh-CN" altLang="en-US" sz="1800" b="1">
+                <a:solidFill>
+                  <a:schemeClr val="dk1"/>
+                </a:solidFill>
+                <a:latin typeface="微软雅黑" panose="020B0503020204020204" charset="-122"/>
+                <a:ea typeface="微软雅黑" panose="020B0503020204020204" charset="-122"/>
+                <a:sym typeface="微软雅黑" panose="020B0503020204020204" charset="-122"/>
+              </a:rPr>
               <a:t>工资的管理。</a:t>
             </a:r>
             <a:endParaRPr lang="zh-CN" altLang="en-US" sz="1800" b="1">
@@ -34833,98 +34914,6 @@
               <a:solidFill>
                 <a:schemeClr val="dk1"/>
               </a:solidFill>
-            </a:endParaRPr>
-          </a:p>
-          <a:p>
-            <a:pPr marL="0" indent="0" fontAlgn="auto">
-              <a:buNone/>
-            </a:pPr>
-            <a:r>
-              <a:rPr sz="1000" strike="noStrike" noProof="1">
-                <a:solidFill>
-                  <a:schemeClr val="dk1"/>
-                </a:solidFill>
-                <a:latin typeface="微软雅黑" panose="020B0503020204020204" charset="-122"/>
-                <a:ea typeface="微软雅黑" panose="020B0503020204020204" charset="-122"/>
-                <a:cs typeface="+mn-cs"/>
-                <a:sym typeface="+mn-ea"/>
-              </a:rPr>
-              <a:t>例：</a:t>
-            </a:r>
-            <a:endParaRPr sz="1000" strike="noStrike" noProof="1">
-              <a:solidFill>
-                <a:schemeClr val="dk1"/>
-              </a:solidFill>
-              <a:latin typeface="微软雅黑" panose="020B0503020204020204" charset="-122"/>
-              <a:ea typeface="微软雅黑" panose="020B0503020204020204" charset="-122"/>
-              <a:cs typeface="+mn-cs"/>
-              <a:sym typeface="+mn-ea"/>
-            </a:endParaRPr>
-          </a:p>
-          <a:p>
-            <a:pPr marL="0" indent="0" fontAlgn="auto">
-              <a:buNone/>
-            </a:pPr>
-            <a:r>
-              <a:rPr sz="1000" strike="noStrike" noProof="1">
-                <a:solidFill>
-                  <a:schemeClr val="dk1"/>
-                </a:solidFill>
-                <a:latin typeface="微软雅黑" panose="020B0503020204020204" charset="-122"/>
-                <a:ea typeface="微软雅黑" panose="020B0503020204020204" charset="-122"/>
-                <a:cs typeface="+mn-cs"/>
-                <a:sym typeface="+mn-ea"/>
-              </a:rPr>
-              <a:t>insert into bank values(402191030498,'农村信用合作社','内蒙古呼和浩特金谷农村商业银行股份有限公司创业路分理处');</a:t>
-            </a:r>
-            <a:endParaRPr lang="zh-CN" altLang="en-US" sz="1000" strike="noStrike" noProof="1">
-              <a:solidFill>
-                <a:schemeClr val="dk1"/>
-              </a:solidFill>
-            </a:endParaRPr>
-          </a:p>
-          <a:p>
-            <a:pPr marL="0" indent="0" fontAlgn="auto">
-              <a:buNone/>
-            </a:pPr>
-            <a:r>
-              <a:rPr sz="1000" strike="noStrike" noProof="1">
-                <a:solidFill>
-                  <a:schemeClr val="dk1"/>
-                </a:solidFill>
-                <a:latin typeface="微软雅黑" panose="020B0503020204020204" charset="-122"/>
-                <a:ea typeface="微软雅黑" panose="020B0503020204020204" charset="-122"/>
-                <a:cs typeface="+mn-cs"/>
-                <a:sym typeface="+mn-ea"/>
-              </a:rPr>
-              <a:t>insert into fdl_city values ('1', '11', '北京市', '0', '1');</a:t>
-            </a:r>
-            <a:endParaRPr lang="zh-CN" altLang="en-US" sz="1000" strike="noStrike" noProof="1">
-              <a:solidFill>
-                <a:schemeClr val="dk1"/>
-              </a:solidFill>
-            </a:endParaRPr>
-          </a:p>
-          <a:p>
-            <a:pPr marL="0" indent="0" fontAlgn="auto">
-              <a:buNone/>
-            </a:pPr>
-            <a:r>
-              <a:rPr sz="1000" strike="noStrike" noProof="1">
-                <a:solidFill>
-                  <a:schemeClr val="dk1"/>
-                </a:solidFill>
-                <a:latin typeface="微软雅黑" panose="020B0503020204020204" charset="-122"/>
-                <a:ea typeface="微软雅黑" panose="020B0503020204020204" charset="-122"/>
-                <a:cs typeface="+mn-cs"/>
-                <a:sym typeface="+mn-ea"/>
-              </a:rPr>
-              <a:t>insert into payment values(471901379510902,'劳务收入','人民币','呼和浩特分行','普通');</a:t>
-            </a:r>
-            <a:endParaRPr lang="zh-CN" altLang="en-US" sz="1000" strike="noStrike" noProof="1">
-              <a:solidFill>
-                <a:schemeClr val="dk1"/>
-              </a:solidFill>
               <a:latin typeface="微软雅黑" panose="020B0503020204020204" charset="-122"/>
               <a:ea typeface="微软雅黑" panose="020B0503020204020204" charset="-122"/>
               <a:cs typeface="+mn-cs"/>
@@ -35047,7 +35036,7 @@
         <p:spPr>
           <a:xfrm>
             <a:off x="501650" y="952500"/>
-            <a:ext cx="8213090" cy="2858770"/>
+            <a:ext cx="8308975" cy="2410460"/>
           </a:xfrm>
           <a:solidFill>
             <a:schemeClr val="accent4">
@@ -35300,7 +35289,19 @@
                 <a:ea typeface="微软雅黑" panose="020B0503020204020204" charset="-122"/>
                 <a:cs typeface="+mn-cs"/>
               </a:rPr>
-              <a:t>员工信息和工资的增删查改由经理实现</a:t>
+              <a:t>员工信息、工资和付款</a:t>
+            </a:r>
+            <a:r>
+              <a:rPr kumimoji="0" lang="zh-CN" altLang="en-US" sz="1400" b="0" i="0" u="none" strike="noStrike" kern="1200" cap="none" spc="150" normalizeH="0" baseline="0" noProof="1">
+                <a:solidFill>
+                  <a:schemeClr val="dk1"/>
+                </a:solidFill>
+                <a:uFillTx/>
+                <a:latin typeface="微软雅黑" panose="020B0503020204020204" charset="-122"/>
+                <a:ea typeface="微软雅黑" panose="020B0503020204020204" charset="-122"/>
+                <a:cs typeface="+mn-cs"/>
+              </a:rPr>
+              <a:t>信息的增删查改由经理实现</a:t>
             </a:r>
             <a:endParaRPr kumimoji="0" lang="zh-CN" altLang="en-US" sz="1400" b="0" i="0" u="none" strike="noStrike" kern="1200" cap="none" spc="150" normalizeH="0" baseline="0" noProof="1">
               <a:solidFill>
@@ -35328,30 +35329,6 @@
               <a:buFont typeface="Arial" panose="020B0604020202020204" pitchFamily="34" charset="0"/>
               <a:buNone/>
             </a:pPr>
-            <a:r>
-              <a:rPr kumimoji="0" lang="zh-CN" altLang="en-US" sz="1400" b="0" i="0" u="none" strike="noStrike" kern="1200" cap="none" spc="150" normalizeH="0" baseline="0" noProof="1">
-                <a:solidFill>
-                  <a:schemeClr val="dk1"/>
-                </a:solidFill>
-                <a:uFillTx/>
-                <a:latin typeface="微软雅黑" panose="020B0503020204020204" charset="-122"/>
-                <a:ea typeface="微软雅黑" panose="020B0503020204020204" charset="-122"/>
-                <a:cs typeface="+mn-cs"/>
-              </a:rPr>
-              <a:t>员工登录时建立视图包括字段：员工名称，员工编号，月</a:t>
-            </a:r>
-            <a:r>
-              <a:rPr kumimoji="0" lang="zh-CN" altLang="en-US" sz="1400" b="0" i="0" u="none" strike="noStrike" kern="1200" cap="none" spc="150" normalizeH="0" baseline="0" noProof="1">
-                <a:solidFill>
-                  <a:schemeClr val="dk1"/>
-                </a:solidFill>
-                <a:uFillTx/>
-                <a:latin typeface="微软雅黑" panose="020B0503020204020204" charset="-122"/>
-                <a:ea typeface="微软雅黑" panose="020B0503020204020204" charset="-122"/>
-                <a:cs typeface="+mn-cs"/>
-              </a:rPr>
-              <a:t>份，工资</a:t>
-            </a:r>
             <a:endParaRPr kumimoji="0" lang="zh-CN" altLang="en-US" sz="1400" b="0" i="0" u="none" strike="noStrike" kern="1200" cap="none" spc="150" normalizeH="0" baseline="0" noProof="1">
               <a:solidFill>
                 <a:schemeClr val="dk1"/>
